--- a/ottensmann-stoffel-hoffman/figures/GCAlignR-Schematic.pptx
+++ b/ottensmann-stoffel-hoffman/figures/GCAlignR-Schematic.pptx
@@ -246,7 +246,7 @@
           <a:p>
             <a:fld id="{4454B8E0-FAC3-4C35-849D-EC3CC82D8072}" type="datetimeFigureOut">
               <a:rPr lang="en-GB" smtClean="0"/>
-              <a:t>12/01/2017</a:t>
+              <a:t>03/02/2017</a:t>
             </a:fld>
             <a:endParaRPr lang="en-GB"/>
           </a:p>
@@ -416,7 +416,7 @@
           <a:p>
             <a:fld id="{4454B8E0-FAC3-4C35-849D-EC3CC82D8072}" type="datetimeFigureOut">
               <a:rPr lang="en-GB" smtClean="0"/>
-              <a:t>12/01/2017</a:t>
+              <a:t>03/02/2017</a:t>
             </a:fld>
             <a:endParaRPr lang="en-GB"/>
           </a:p>
@@ -596,7 +596,7 @@
           <a:p>
             <a:fld id="{4454B8E0-FAC3-4C35-849D-EC3CC82D8072}" type="datetimeFigureOut">
               <a:rPr lang="en-GB" smtClean="0"/>
-              <a:t>12/01/2017</a:t>
+              <a:t>03/02/2017</a:t>
             </a:fld>
             <a:endParaRPr lang="en-GB"/>
           </a:p>
@@ -766,7 +766,7 @@
           <a:p>
             <a:fld id="{4454B8E0-FAC3-4C35-849D-EC3CC82D8072}" type="datetimeFigureOut">
               <a:rPr lang="en-GB" smtClean="0"/>
-              <a:t>12/01/2017</a:t>
+              <a:t>03/02/2017</a:t>
             </a:fld>
             <a:endParaRPr lang="en-GB"/>
           </a:p>
@@ -1010,7 +1010,7 @@
           <a:p>
             <a:fld id="{4454B8E0-FAC3-4C35-849D-EC3CC82D8072}" type="datetimeFigureOut">
               <a:rPr lang="en-GB" smtClean="0"/>
-              <a:t>12/01/2017</a:t>
+              <a:t>03/02/2017</a:t>
             </a:fld>
             <a:endParaRPr lang="en-GB"/>
           </a:p>
@@ -1242,7 +1242,7 @@
           <a:p>
             <a:fld id="{4454B8E0-FAC3-4C35-849D-EC3CC82D8072}" type="datetimeFigureOut">
               <a:rPr lang="en-GB" smtClean="0"/>
-              <a:t>12/01/2017</a:t>
+              <a:t>03/02/2017</a:t>
             </a:fld>
             <a:endParaRPr lang="en-GB"/>
           </a:p>
@@ -1609,7 +1609,7 @@
           <a:p>
             <a:fld id="{4454B8E0-FAC3-4C35-849D-EC3CC82D8072}" type="datetimeFigureOut">
               <a:rPr lang="en-GB" smtClean="0"/>
-              <a:t>12/01/2017</a:t>
+              <a:t>03/02/2017</a:t>
             </a:fld>
             <a:endParaRPr lang="en-GB"/>
           </a:p>
@@ -1727,7 +1727,7 @@
           <a:p>
             <a:fld id="{4454B8E0-FAC3-4C35-849D-EC3CC82D8072}" type="datetimeFigureOut">
               <a:rPr lang="en-GB" smtClean="0"/>
-              <a:t>12/01/2017</a:t>
+              <a:t>03/02/2017</a:t>
             </a:fld>
             <a:endParaRPr lang="en-GB"/>
           </a:p>
@@ -1822,7 +1822,7 @@
           <a:p>
             <a:fld id="{4454B8E0-FAC3-4C35-849D-EC3CC82D8072}" type="datetimeFigureOut">
               <a:rPr lang="en-GB" smtClean="0"/>
-              <a:t>12/01/2017</a:t>
+              <a:t>03/02/2017</a:t>
             </a:fld>
             <a:endParaRPr lang="en-GB"/>
           </a:p>
@@ -2099,7 +2099,7 @@
           <a:p>
             <a:fld id="{4454B8E0-FAC3-4C35-849D-EC3CC82D8072}" type="datetimeFigureOut">
               <a:rPr lang="en-GB" smtClean="0"/>
-              <a:t>12/01/2017</a:t>
+              <a:t>03/02/2017</a:t>
             </a:fld>
             <a:endParaRPr lang="en-GB"/>
           </a:p>
@@ -2356,7 +2356,7 @@
           <a:p>
             <a:fld id="{4454B8E0-FAC3-4C35-849D-EC3CC82D8072}" type="datetimeFigureOut">
               <a:rPr lang="en-GB" smtClean="0"/>
-              <a:t>12/01/2017</a:t>
+              <a:t>03/02/2017</a:t>
             </a:fld>
             <a:endParaRPr lang="en-GB"/>
           </a:p>
@@ -2569,7 +2569,7 @@
           <a:p>
             <a:fld id="{4454B8E0-FAC3-4C35-849D-EC3CC82D8072}" type="datetimeFigureOut">
               <a:rPr lang="en-GB" smtClean="0"/>
-              <a:t>12/01/2017</a:t>
+              <a:t>03/02/2017</a:t>
             </a:fld>
             <a:endParaRPr lang="en-GB"/>
           </a:p>
@@ -18106,7 +18106,7 @@
         </p:nvSpPr>
         <p:spPr>
           <a:xfrm>
-            <a:off x="9605962" y="4116143"/>
+            <a:off x="9605962" y="3361405"/>
             <a:ext cx="504000" cy="584904"/>
           </a:xfrm>
           <a:prstGeom prst="rect">
@@ -18136,7 +18136,7 @@
         </p:nvSpPr>
         <p:spPr>
           <a:xfrm>
-            <a:off x="331643" y="1043328"/>
+            <a:off x="331643" y="288590"/>
             <a:ext cx="4483702" cy="416268"/>
           </a:xfrm>
           <a:prstGeom prst="rect">
@@ -18159,7 +18159,7 @@
           <a:p>
             <a:r>
               <a:rPr lang="en-GB" sz="2105" b="1" dirty="0"/>
-              <a:t>A. Linear Transformation</a:t>
+              <a:t>A. Linear transformation</a:t>
             </a:r>
           </a:p>
         </p:txBody>
@@ -18173,13 +18173,13 @@
           <p:nvPr>
             <p:extLst>
               <p:ext uri="{D42A27DB-BD31-4B8C-83A1-F6EECF244321}">
-                <p14:modId xmlns:p14="http://schemas.microsoft.com/office/powerpoint/2010/main" val="3169235747"/>
+                <p14:modId xmlns:p14="http://schemas.microsoft.com/office/powerpoint/2010/main" val="3780014341"/>
               </p:ext>
             </p:extLst>
           </p:nvPr>
         </p:nvGraphicFramePr>
         <p:xfrm>
-          <a:off x="331644" y="1470596"/>
+          <a:off x="333458" y="715858"/>
           <a:ext cx="2059200" cy="1332000"/>
         </p:xfrm>
         <a:graphic>
@@ -19463,13 +19463,13 @@
           <p:nvPr>
             <p:extLst>
               <p:ext uri="{D42A27DB-BD31-4B8C-83A1-F6EECF244321}">
-                <p14:modId xmlns:p14="http://schemas.microsoft.com/office/powerpoint/2010/main" val="1604259944"/>
+                <p14:modId xmlns:p14="http://schemas.microsoft.com/office/powerpoint/2010/main" val="2539395747"/>
               </p:ext>
             </p:extLst>
           </p:nvPr>
         </p:nvGraphicFramePr>
         <p:xfrm>
-          <a:off x="2756145" y="1470596"/>
+          <a:off x="2754784" y="715858"/>
           <a:ext cx="2059200" cy="1332000"/>
         </p:xfrm>
         <a:graphic>
@@ -19514,7 +19514,7 @@
                     <a:p>
                       <a:pPr algn="ctr" rtl="0" fontAlgn="b"/>
                       <a:r>
-                        <a:rPr lang="en-GB" sz="1400" b="1" i="0" u="none" strike="noStrike">
+                        <a:rPr lang="en-GB" sz="1400" b="1" i="0" u="none" strike="noStrike" dirty="0">
                           <a:solidFill>
                             <a:srgbClr val="000000"/>
                           </a:solidFill>
@@ -20721,13 +20721,13 @@
           <p:nvPr>
             <p:extLst>
               <p:ext uri="{D42A27DB-BD31-4B8C-83A1-F6EECF244321}">
-                <p14:modId xmlns:p14="http://schemas.microsoft.com/office/powerpoint/2010/main" val="2454225600"/>
+                <p14:modId xmlns:p14="http://schemas.microsoft.com/office/powerpoint/2010/main" val="135656591"/>
               </p:ext>
             </p:extLst>
           </p:nvPr>
         </p:nvGraphicFramePr>
         <p:xfrm>
-          <a:off x="331643" y="3447998"/>
+          <a:off x="333457" y="2643368"/>
           <a:ext cx="2052000" cy="1336290"/>
         </p:xfrm>
         <a:graphic>
@@ -22037,7 +22037,7 @@
         </p:nvSpPr>
         <p:spPr>
           <a:xfrm>
-            <a:off x="331643" y="2968051"/>
+            <a:off x="331643" y="2213313"/>
             <a:ext cx="11778808" cy="416268"/>
           </a:xfrm>
           <a:prstGeom prst="rect">
@@ -22067,11 +22067,11 @@
           <a:p>
             <a:r>
               <a:rPr lang="en-GB" sz="2105" dirty="0"/>
-              <a:t>B. Single Peak Alignment: </a:t>
+              <a:t>B. Single peak alignment: </a:t>
             </a:r>
             <a:r>
-              <a:rPr lang="de-DE" sz="2105" dirty="0"/>
-              <a:t>max_peak2mean = 0.02</a:t>
+              <a:rPr lang="de-DE" sz="2105" b="0" i="1" dirty="0"/>
+              <a:t>max_diff_peak2mean = 0.02</a:t>
             </a:r>
             <a:r>
               <a:rPr lang="en-GB" sz="2105" dirty="0"/>
@@ -22089,13 +22089,13 @@
           <p:nvPr>
             <p:extLst>
               <p:ext uri="{D42A27DB-BD31-4B8C-83A1-F6EECF244321}">
-                <p14:modId xmlns:p14="http://schemas.microsoft.com/office/powerpoint/2010/main" val="1331500456"/>
+                <p14:modId xmlns:p14="http://schemas.microsoft.com/office/powerpoint/2010/main" val="3656075861"/>
               </p:ext>
             </p:extLst>
           </p:nvPr>
         </p:nvGraphicFramePr>
         <p:xfrm>
-          <a:off x="2756145" y="3447997"/>
+          <a:off x="2770659" y="2643367"/>
           <a:ext cx="2059200" cy="1598400"/>
         </p:xfrm>
         <a:graphic>
@@ -23662,7 +23662,7 @@
         </p:nvCxnSpPr>
         <p:spPr>
           <a:xfrm>
-            <a:off x="2430243" y="4123569"/>
+            <a:off x="2442943" y="3578381"/>
             <a:ext cx="252000" cy="1093"/>
           </a:xfrm>
           <a:prstGeom prst="straightConnector1">
@@ -23699,13 +23699,13 @@
           <p:nvPr>
             <p:extLst>
               <p:ext uri="{D42A27DB-BD31-4B8C-83A1-F6EECF244321}">
-                <p14:modId xmlns:p14="http://schemas.microsoft.com/office/powerpoint/2010/main" val="3853253129"/>
+                <p14:modId xmlns:p14="http://schemas.microsoft.com/office/powerpoint/2010/main" val="3934147280"/>
               </p:ext>
             </p:extLst>
           </p:nvPr>
         </p:nvGraphicFramePr>
         <p:xfrm>
-          <a:off x="5187847" y="3447997"/>
+          <a:off x="5202361" y="2643367"/>
           <a:ext cx="2059200" cy="1598400"/>
         </p:xfrm>
         <a:graphic>
@@ -25266,7 +25266,7 @@
         </p:nvCxnSpPr>
         <p:spPr>
           <a:xfrm>
-            <a:off x="4851285" y="4379304"/>
+            <a:off x="4870335" y="3599166"/>
             <a:ext cx="252000" cy="1093"/>
           </a:xfrm>
           <a:prstGeom prst="straightConnector1">
@@ -25303,13 +25303,13 @@
           <p:nvPr>
             <p:extLst>
               <p:ext uri="{D42A27DB-BD31-4B8C-83A1-F6EECF244321}">
-                <p14:modId xmlns:p14="http://schemas.microsoft.com/office/powerpoint/2010/main" val="2297023064"/>
+                <p14:modId xmlns:p14="http://schemas.microsoft.com/office/powerpoint/2010/main" val="1704363693"/>
               </p:ext>
             </p:extLst>
           </p:nvPr>
         </p:nvGraphicFramePr>
         <p:xfrm>
-          <a:off x="7619549" y="3447996"/>
+          <a:off x="7634063" y="2643366"/>
           <a:ext cx="2059200" cy="1864800"/>
         </p:xfrm>
         <a:graphic>
@@ -27125,7 +27125,7 @@
         </p:nvCxnSpPr>
         <p:spPr>
           <a:xfrm>
-            <a:off x="7331611" y="4699665"/>
+            <a:off x="7331611" y="3856027"/>
             <a:ext cx="252000" cy="1093"/>
           </a:xfrm>
           <a:prstGeom prst="straightConnector1">
@@ -27162,13 +27162,13 @@
           <p:nvPr>
             <p:extLst>
               <p:ext uri="{D42A27DB-BD31-4B8C-83A1-F6EECF244321}">
-                <p14:modId xmlns:p14="http://schemas.microsoft.com/office/powerpoint/2010/main" val="1673548548"/>
+                <p14:modId xmlns:p14="http://schemas.microsoft.com/office/powerpoint/2010/main" val="728218728"/>
               </p:ext>
             </p:extLst>
           </p:nvPr>
         </p:nvGraphicFramePr>
         <p:xfrm>
-          <a:off x="10051251" y="3447996"/>
+          <a:off x="10046715" y="2643366"/>
           <a:ext cx="2059200" cy="2131200"/>
         </p:xfrm>
         <a:graphic>
@@ -29251,8 +29251,8 @@
         </p:nvSpPr>
         <p:spPr>
           <a:xfrm>
-            <a:off x="331646" y="5903487"/>
-            <a:ext cx="4479681" cy="740203"/>
+            <a:off x="331644" y="5148749"/>
+            <a:ext cx="5149837" cy="416268"/>
           </a:xfrm>
           <a:prstGeom prst="rect">
             <a:avLst/>
@@ -29281,21 +29281,17 @@
           <a:p>
             <a:r>
               <a:rPr lang="en-GB" sz="2105" dirty="0"/>
-              <a:t>C. Merging Rows</a:t>
+              <a:t>C. Merging rows: </a:t>
             </a:r>
             <a:r>
-              <a:rPr lang="en-GB" sz="2105"/>
-              <a:t>: min_peak2peak</a:t>
+              <a:rPr lang="en-GB" sz="2105" b="0" i="1" dirty="0"/>
+              <a:t>min_diff_peak2peak</a:t>
             </a:r>
             <a:r>
-              <a:rPr lang="de-DE" sz="2105"/>
-              <a:t> </a:t>
+              <a:rPr lang="de-DE" sz="2105" b="0" i="1" dirty="0"/>
+              <a:t> = 0.03</a:t>
             </a:r>
-            <a:r>
-              <a:rPr lang="de-DE" sz="2105" dirty="0"/>
-              <a:t>= 0.03</a:t>
-            </a:r>
-            <a:endParaRPr lang="en-GB" sz="2105" dirty="0"/>
+            <a:endParaRPr lang="en-GB" sz="2105" b="0" i="1" dirty="0"/>
           </a:p>
         </p:txBody>
       </p:sp>
@@ -29308,13 +29304,13 @@
           <p:nvPr>
             <p:extLst>
               <p:ext uri="{D42A27DB-BD31-4B8C-83A1-F6EECF244321}">
-                <p14:modId xmlns:p14="http://schemas.microsoft.com/office/powerpoint/2010/main" val="3189356835"/>
+                <p14:modId xmlns:p14="http://schemas.microsoft.com/office/powerpoint/2010/main" val="3084475227"/>
               </p:ext>
             </p:extLst>
           </p:nvPr>
         </p:nvGraphicFramePr>
         <p:xfrm>
-          <a:off x="331643" y="6427875"/>
+          <a:off x="346883" y="5566457"/>
           <a:ext cx="2059200" cy="2131200"/>
         </p:xfrm>
         <a:graphic>
@@ -31386,13 +31382,13 @@
           <p:nvPr>
             <p:extLst>
               <p:ext uri="{D42A27DB-BD31-4B8C-83A1-F6EECF244321}">
-                <p14:modId xmlns:p14="http://schemas.microsoft.com/office/powerpoint/2010/main" val="3156926046"/>
+                <p14:modId xmlns:p14="http://schemas.microsoft.com/office/powerpoint/2010/main" val="1101951184"/>
               </p:ext>
             </p:extLst>
           </p:nvPr>
         </p:nvGraphicFramePr>
         <p:xfrm>
-          <a:off x="2756147" y="6438273"/>
+          <a:off x="3419087" y="5576855"/>
           <a:ext cx="2059200" cy="1864800"/>
         </p:xfrm>
         <a:graphic>
@@ -33220,7 +33216,7 @@
         </p:nvSpPr>
         <p:spPr>
           <a:xfrm>
-            <a:off x="5183829" y="5914318"/>
+            <a:off x="5667804" y="5146625"/>
             <a:ext cx="3980125" cy="416268"/>
           </a:xfrm>
           <a:prstGeom prst="rect">
@@ -33254,48 +33250,16 @@
             </a:r>
             <a:r>
               <a:rPr lang="de-DE" sz="2105" dirty="0"/>
-              <a:t>Delete Blanks</a:t>
+              <a:t>Remove </a:t>
+            </a:r>
+            <a:r>
+              <a:rPr lang="de-DE" sz="2105" dirty="0" err="1"/>
+              <a:t>contaminations</a:t>
             </a:r>
             <a:endParaRPr lang="en-GB" sz="2105" dirty="0"/>
           </a:p>
         </p:txBody>
       </p:sp>
-      <p:cxnSp>
-        <p:nvCxnSpPr>
-          <p:cNvPr id="27" name="Gerade Verbindung mit Pfeil 26"/>
-          <p:cNvCxnSpPr/>
-          <p:nvPr/>
-        </p:nvCxnSpPr>
-        <p:spPr>
-          <a:xfrm>
-            <a:off x="2447951" y="2198847"/>
-            <a:ext cx="252000" cy="1093"/>
-          </a:xfrm>
-          <a:prstGeom prst="straightConnector1">
-            <a:avLst/>
-          </a:prstGeom>
-          <a:ln w="28575">
-            <a:solidFill>
-              <a:schemeClr val="tx1"/>
-            </a:solidFill>
-            <a:tailEnd type="triangle"/>
-          </a:ln>
-        </p:spPr>
-        <p:style>
-          <a:lnRef idx="1">
-            <a:schemeClr val="accent1"/>
-          </a:lnRef>
-          <a:fillRef idx="0">
-            <a:schemeClr val="accent1"/>
-          </a:fillRef>
-          <a:effectRef idx="0">
-            <a:schemeClr val="accent1"/>
-          </a:effectRef>
-          <a:fontRef idx="minor">
-            <a:schemeClr val="tx1"/>
-          </a:fontRef>
-        </p:style>
-      </p:cxnSp>
       <p:graphicFrame>
         <p:nvGraphicFramePr>
           <p:cNvPr id="28" name="Tabelle 27"/>
@@ -33305,13 +33269,13 @@
           <p:nvPr>
             <p:extLst>
               <p:ext uri="{D42A27DB-BD31-4B8C-83A1-F6EECF244321}">
-                <p14:modId xmlns:p14="http://schemas.microsoft.com/office/powerpoint/2010/main" val="4095865314"/>
+                <p14:modId xmlns:p14="http://schemas.microsoft.com/office/powerpoint/2010/main" val="1986777294"/>
               </p:ext>
             </p:extLst>
           </p:nvPr>
         </p:nvGraphicFramePr>
         <p:xfrm>
-          <a:off x="5188477" y="6427875"/>
+          <a:off x="5669280" y="5566457"/>
           <a:ext cx="2059200" cy="1864800"/>
         </p:xfrm>
         <a:graphic>
@@ -33356,7 +33320,7 @@
                     <a:p>
                       <a:pPr algn="ctr" rtl="0" fontAlgn="b"/>
                       <a:r>
-                        <a:rPr lang="en-GB" sz="1400" b="1" i="0" u="none" strike="noStrike">
+                        <a:rPr lang="en-GB" sz="1400" b="1" i="0" u="none" strike="noStrike" dirty="0">
                           <a:solidFill>
                             <a:srgbClr val="000000"/>
                           </a:solidFill>
@@ -34930,9 +34894,7 @@
                       <a:headEnd type="none" w="med" len="med"/>
                       <a:tailEnd type="none" w="med" len="med"/>
                     </a:lnB>
-                    <a:solidFill>
-                      <a:srgbClr val="D95F02"/>
-                    </a:solidFill>
+                    <a:noFill/>
                   </a:tcPr>
                 </a:tc>
                 <a:tc>
@@ -35140,13 +35102,13 @@
           <p:nvPr>
             <p:extLst>
               <p:ext uri="{D42A27DB-BD31-4B8C-83A1-F6EECF244321}">
-                <p14:modId xmlns:p14="http://schemas.microsoft.com/office/powerpoint/2010/main" val="2064730853"/>
+                <p14:modId xmlns:p14="http://schemas.microsoft.com/office/powerpoint/2010/main" val="2595164969"/>
               </p:ext>
             </p:extLst>
           </p:nvPr>
         </p:nvGraphicFramePr>
         <p:xfrm>
-          <a:off x="7619551" y="6438275"/>
+          <a:off x="8106704" y="5576857"/>
           <a:ext cx="1544400" cy="1598400"/>
         </p:xfrm>
         <a:graphic>
@@ -36332,42 +36294,6 @@
           </a:graphicData>
         </a:graphic>
       </p:graphicFrame>
-      <p:cxnSp>
-        <p:nvCxnSpPr>
-          <p:cNvPr id="30" name="Gerade Verbindung mit Pfeil 29"/>
-          <p:cNvCxnSpPr/>
-          <p:nvPr/>
-        </p:nvCxnSpPr>
-        <p:spPr>
-          <a:xfrm>
-            <a:off x="2430243" y="7399640"/>
-            <a:ext cx="252000" cy="1093"/>
-          </a:xfrm>
-          <a:prstGeom prst="straightConnector1">
-            <a:avLst/>
-          </a:prstGeom>
-          <a:ln w="28575">
-            <a:solidFill>
-              <a:schemeClr val="tx1"/>
-            </a:solidFill>
-            <a:tailEnd type="triangle"/>
-          </a:ln>
-        </p:spPr>
-        <p:style>
-          <a:lnRef idx="1">
-            <a:schemeClr val="accent1"/>
-          </a:lnRef>
-          <a:fillRef idx="0">
-            <a:schemeClr val="accent1"/>
-          </a:fillRef>
-          <a:effectRef idx="0">
-            <a:schemeClr val="accent1"/>
-          </a:effectRef>
-          <a:fontRef idx="minor">
-            <a:schemeClr val="tx1"/>
-          </a:fontRef>
-        </p:style>
-      </p:cxnSp>
       <p:sp>
         <p:nvSpPr>
           <p:cNvPr id="31" name="Textfeld 30"/>
@@ -36376,7 +36302,7 @@
         </p:nvSpPr>
         <p:spPr>
           <a:xfrm>
-            <a:off x="9536453" y="5914318"/>
+            <a:off x="9841247" y="5146625"/>
             <a:ext cx="3454199" cy="416268"/>
           </a:xfrm>
           <a:prstGeom prst="rect">
@@ -36410,7 +36336,19 @@
             </a:r>
             <a:r>
               <a:rPr lang="de-DE" sz="2105" dirty="0"/>
-              <a:t>Delete Single Peaks</a:t>
+              <a:t>Remove </a:t>
+            </a:r>
+            <a:r>
+              <a:rPr lang="de-DE" sz="2105" dirty="0" err="1"/>
+              <a:t>single</a:t>
+            </a:r>
+            <a:r>
+              <a:rPr lang="de-DE" sz="2105" dirty="0"/>
+              <a:t> </a:t>
+            </a:r>
+            <a:r>
+              <a:rPr lang="de-DE" sz="2105" dirty="0" err="1"/>
+              <a:t>peaks</a:t>
             </a:r>
             <a:endParaRPr lang="en-GB" sz="2105" dirty="0"/>
           </a:p>
@@ -36425,13 +36363,13 @@
           <p:nvPr>
             <p:extLst>
               <p:ext uri="{D42A27DB-BD31-4B8C-83A1-F6EECF244321}">
-                <p14:modId xmlns:p14="http://schemas.microsoft.com/office/powerpoint/2010/main" val="2493367116"/>
+                <p14:modId xmlns:p14="http://schemas.microsoft.com/office/powerpoint/2010/main" val="2914980295"/>
               </p:ext>
             </p:extLst>
           </p:nvPr>
         </p:nvGraphicFramePr>
         <p:xfrm>
-          <a:off x="11446252" y="6438273"/>
+          <a:off x="11751046" y="5576855"/>
           <a:ext cx="1544400" cy="1332000"/>
         </p:xfrm>
         <a:graphic>
@@ -37433,13 +37371,13 @@
           <p:nvPr>
             <p:extLst>
               <p:ext uri="{D42A27DB-BD31-4B8C-83A1-F6EECF244321}">
-                <p14:modId xmlns:p14="http://schemas.microsoft.com/office/powerpoint/2010/main" val="621668643"/>
+                <p14:modId xmlns:p14="http://schemas.microsoft.com/office/powerpoint/2010/main" val="125336059"/>
               </p:ext>
             </p:extLst>
           </p:nvPr>
         </p:nvGraphicFramePr>
         <p:xfrm>
-          <a:off x="9535828" y="6427876"/>
+          <a:off x="9840622" y="5566458"/>
           <a:ext cx="1538553" cy="1598400"/>
         </p:xfrm>
         <a:graphic>
@@ -38627,16 +38565,94 @@
       </p:graphicFrame>
       <p:cxnSp>
         <p:nvCxnSpPr>
-          <p:cNvPr id="35" name="Gerade Verbindung mit Pfeil 34"/>
-          <p:cNvCxnSpPr/>
+          <p:cNvPr id="49" name="Gerader Verbinder 48"/>
+          <p:cNvCxnSpPr>
+            <a:endCxn id="25" idx="1"/>
+          </p:cNvCxnSpPr>
           <p:nvPr/>
         </p:nvCxnSpPr>
         <p:spPr>
           <a:xfrm>
-            <a:off x="7299308" y="8845232"/>
-            <a:ext cx="252000" cy="1093"/>
+            <a:off x="2413118" y="6487452"/>
+            <a:ext cx="1005969" cy="21803"/>
           </a:xfrm>
-          <a:prstGeom prst="straightConnector1">
+          <a:prstGeom prst="line">
+            <a:avLst/>
+          </a:prstGeom>
+          <a:ln w="28575">
+            <a:solidFill>
+              <a:schemeClr val="tx1"/>
+            </a:solidFill>
+            <a:headEnd type="none" w="med" len="med"/>
+            <a:tailEnd type="none" w="med" len="med"/>
+          </a:ln>
+        </p:spPr>
+        <p:style>
+          <a:lnRef idx="1">
+            <a:schemeClr val="accent1"/>
+          </a:lnRef>
+          <a:fillRef idx="0">
+            <a:schemeClr val="accent1"/>
+          </a:fillRef>
+          <a:effectRef idx="0">
+            <a:schemeClr val="accent1"/>
+          </a:effectRef>
+          <a:fontRef idx="minor">
+            <a:schemeClr val="tx1"/>
+          </a:fontRef>
+        </p:style>
+      </p:cxnSp>
+      <p:cxnSp>
+        <p:nvCxnSpPr>
+          <p:cNvPr id="50" name="Gerader Verbinder 49"/>
+          <p:cNvCxnSpPr>
+            <a:endCxn id="25" idx="1"/>
+          </p:cNvCxnSpPr>
+          <p:nvPr/>
+        </p:nvCxnSpPr>
+        <p:spPr>
+          <a:xfrm flipV="1">
+            <a:off x="2405358" y="6509255"/>
+            <a:ext cx="1013729" cy="258030"/>
+          </a:xfrm>
+          <a:prstGeom prst="line">
+            <a:avLst/>
+          </a:prstGeom>
+          <a:ln w="28575">
+            <a:solidFill>
+              <a:schemeClr val="tx1"/>
+            </a:solidFill>
+            <a:headEnd type="none" w="med" len="med"/>
+            <a:tailEnd type="none" w="med" len="med"/>
+          </a:ln>
+        </p:spPr>
+        <p:style>
+          <a:lnRef idx="1">
+            <a:schemeClr val="accent1"/>
+          </a:lnRef>
+          <a:fillRef idx="0">
+            <a:schemeClr val="accent1"/>
+          </a:fillRef>
+          <a:effectRef idx="0">
+            <a:schemeClr val="accent1"/>
+          </a:effectRef>
+          <a:fontRef idx="minor">
+            <a:schemeClr val="tx1"/>
+          </a:fontRef>
+        </p:style>
+      </p:cxnSp>
+      <p:sp>
+        <p:nvSpPr>
+          <p:cNvPr id="64" name="Pfeil nach rechts 63"/>
+          <p:cNvSpPr/>
+          <p:nvPr/>
+        </p:nvSpPr>
+        <p:spPr>
+          <a:xfrm>
+            <a:off x="2442943" y="1358900"/>
+            <a:ext cx="252000" cy="45719"/>
+          </a:xfrm>
+          <a:prstGeom prst="rightArrow">
             <a:avLst/>
           </a:prstGeom>
           <a:ln w="28575">
@@ -38660,19 +38676,27 @@
             <a:schemeClr val="tx1"/>
           </a:fontRef>
         </p:style>
-      </p:cxnSp>
-      <p:cxnSp>
-        <p:nvCxnSpPr>
-          <p:cNvPr id="36" name="Gerade Verbindung mit Pfeil 35"/>
-          <p:cNvCxnSpPr/>
+        <p:txBody>
+          <a:bodyPr rtlCol="0" anchor="ctr"/>
+          <a:lstStyle/>
+          <a:p>
+            <a:pPr algn="ctr"/>
+            <a:endParaRPr lang="en-GB"/>
+          </a:p>
+        </p:txBody>
+      </p:sp>
+      <p:sp>
+        <p:nvSpPr>
+          <p:cNvPr id="65" name="Pfeil nach rechts 64"/>
+          <p:cNvSpPr/>
           <p:nvPr/>
-        </p:nvCxnSpPr>
+        </p:nvSpPr>
         <p:spPr>
           <a:xfrm>
-            <a:off x="11134316" y="7662774"/>
-            <a:ext cx="252000" cy="1093"/>
+            <a:off x="7778965" y="6407862"/>
+            <a:ext cx="252000" cy="45719"/>
           </a:xfrm>
-          <a:prstGeom prst="straightConnector1">
+          <a:prstGeom prst="rightArrow">
             <a:avLst/>
           </a:prstGeom>
           <a:ln w="28575">
@@ -38696,7 +38720,59 @@
             <a:schemeClr val="tx1"/>
           </a:fontRef>
         </p:style>
-      </p:cxnSp>
+        <p:txBody>
+          <a:bodyPr rtlCol="0" anchor="ctr"/>
+          <a:lstStyle/>
+          <a:p>
+            <a:pPr algn="ctr"/>
+            <a:endParaRPr lang="en-GB"/>
+          </a:p>
+        </p:txBody>
+      </p:sp>
+      <p:sp>
+        <p:nvSpPr>
+          <p:cNvPr id="66" name="Pfeil nach rechts 65"/>
+          <p:cNvSpPr/>
+          <p:nvPr/>
+        </p:nvSpPr>
+        <p:spPr>
+          <a:xfrm>
+            <a:off x="11423307" y="6392676"/>
+            <a:ext cx="252000" cy="45719"/>
+          </a:xfrm>
+          <a:prstGeom prst="rightArrow">
+            <a:avLst/>
+          </a:prstGeom>
+          <a:ln w="28575">
+            <a:solidFill>
+              <a:schemeClr val="tx1"/>
+            </a:solidFill>
+            <a:tailEnd type="triangle"/>
+          </a:ln>
+        </p:spPr>
+        <p:style>
+          <a:lnRef idx="1">
+            <a:schemeClr val="accent1"/>
+          </a:lnRef>
+          <a:fillRef idx="0">
+            <a:schemeClr val="accent1"/>
+          </a:fillRef>
+          <a:effectRef idx="0">
+            <a:schemeClr val="accent1"/>
+          </a:effectRef>
+          <a:fontRef idx="minor">
+            <a:schemeClr val="tx1"/>
+          </a:fontRef>
+        </p:style>
+        <p:txBody>
+          <a:bodyPr rtlCol="0" anchor="ctr"/>
+          <a:lstStyle/>
+          <a:p>
+            <a:pPr algn="ctr"/>
+            <a:endParaRPr lang="en-GB"/>
+          </a:p>
+        </p:txBody>
+      </p:sp>
     </p:spTree>
     <p:extLst>
       <p:ext uri="{BB962C8B-B14F-4D97-AF65-F5344CB8AC3E}">

--- a/ottensmann-stoffel-hoffman/figures/GCAlignR-Schematic.pptx
+++ b/ottensmann-stoffel-hoffman/figures/GCAlignR-Schematic.pptx
@@ -246,7 +246,7 @@
           <a:p>
             <a:fld id="{4454B8E0-FAC3-4C35-849D-EC3CC82D8072}" type="datetimeFigureOut">
               <a:rPr lang="en-GB" smtClean="0"/>
-              <a:t>03/02/2017</a:t>
+              <a:t>06/02/2017</a:t>
             </a:fld>
             <a:endParaRPr lang="en-GB"/>
           </a:p>
@@ -416,7 +416,7 @@
           <a:p>
             <a:fld id="{4454B8E0-FAC3-4C35-849D-EC3CC82D8072}" type="datetimeFigureOut">
               <a:rPr lang="en-GB" smtClean="0"/>
-              <a:t>03/02/2017</a:t>
+              <a:t>06/02/2017</a:t>
             </a:fld>
             <a:endParaRPr lang="en-GB"/>
           </a:p>
@@ -596,7 +596,7 @@
           <a:p>
             <a:fld id="{4454B8E0-FAC3-4C35-849D-EC3CC82D8072}" type="datetimeFigureOut">
               <a:rPr lang="en-GB" smtClean="0"/>
-              <a:t>03/02/2017</a:t>
+              <a:t>06/02/2017</a:t>
             </a:fld>
             <a:endParaRPr lang="en-GB"/>
           </a:p>
@@ -766,7 +766,7 @@
           <a:p>
             <a:fld id="{4454B8E0-FAC3-4C35-849D-EC3CC82D8072}" type="datetimeFigureOut">
               <a:rPr lang="en-GB" smtClean="0"/>
-              <a:t>03/02/2017</a:t>
+              <a:t>06/02/2017</a:t>
             </a:fld>
             <a:endParaRPr lang="en-GB"/>
           </a:p>
@@ -1010,7 +1010,7 @@
           <a:p>
             <a:fld id="{4454B8E0-FAC3-4C35-849D-EC3CC82D8072}" type="datetimeFigureOut">
               <a:rPr lang="en-GB" smtClean="0"/>
-              <a:t>03/02/2017</a:t>
+              <a:t>06/02/2017</a:t>
             </a:fld>
             <a:endParaRPr lang="en-GB"/>
           </a:p>
@@ -1242,7 +1242,7 @@
           <a:p>
             <a:fld id="{4454B8E0-FAC3-4C35-849D-EC3CC82D8072}" type="datetimeFigureOut">
               <a:rPr lang="en-GB" smtClean="0"/>
-              <a:t>03/02/2017</a:t>
+              <a:t>06/02/2017</a:t>
             </a:fld>
             <a:endParaRPr lang="en-GB"/>
           </a:p>
@@ -1609,7 +1609,7 @@
           <a:p>
             <a:fld id="{4454B8E0-FAC3-4C35-849D-EC3CC82D8072}" type="datetimeFigureOut">
               <a:rPr lang="en-GB" smtClean="0"/>
-              <a:t>03/02/2017</a:t>
+              <a:t>06/02/2017</a:t>
             </a:fld>
             <a:endParaRPr lang="en-GB"/>
           </a:p>
@@ -1727,7 +1727,7 @@
           <a:p>
             <a:fld id="{4454B8E0-FAC3-4C35-849D-EC3CC82D8072}" type="datetimeFigureOut">
               <a:rPr lang="en-GB" smtClean="0"/>
-              <a:t>03/02/2017</a:t>
+              <a:t>06/02/2017</a:t>
             </a:fld>
             <a:endParaRPr lang="en-GB"/>
           </a:p>
@@ -1822,7 +1822,7 @@
           <a:p>
             <a:fld id="{4454B8E0-FAC3-4C35-849D-EC3CC82D8072}" type="datetimeFigureOut">
               <a:rPr lang="en-GB" smtClean="0"/>
-              <a:t>03/02/2017</a:t>
+              <a:t>06/02/2017</a:t>
             </a:fld>
             <a:endParaRPr lang="en-GB"/>
           </a:p>
@@ -2099,7 +2099,7 @@
           <a:p>
             <a:fld id="{4454B8E0-FAC3-4C35-849D-EC3CC82D8072}" type="datetimeFigureOut">
               <a:rPr lang="en-GB" smtClean="0"/>
-              <a:t>03/02/2017</a:t>
+              <a:t>06/02/2017</a:t>
             </a:fld>
             <a:endParaRPr lang="en-GB"/>
           </a:p>
@@ -2356,7 +2356,7 @@
           <a:p>
             <a:fld id="{4454B8E0-FAC3-4C35-849D-EC3CC82D8072}" type="datetimeFigureOut">
               <a:rPr lang="en-GB" smtClean="0"/>
-              <a:t>03/02/2017</a:t>
+              <a:t>06/02/2017</a:t>
             </a:fld>
             <a:endParaRPr lang="en-GB"/>
           </a:p>
@@ -2569,7 +2569,7 @@
           <a:p>
             <a:fld id="{4454B8E0-FAC3-4C35-849D-EC3CC82D8072}" type="datetimeFigureOut">
               <a:rPr lang="en-GB" smtClean="0"/>
-              <a:t>03/02/2017</a:t>
+              <a:t>06/02/2017</a:t>
             </a:fld>
             <a:endParaRPr lang="en-GB"/>
           </a:p>
@@ -29289,7 +29289,7 @@
             </a:r>
             <a:r>
               <a:rPr lang="de-DE" sz="2105" b="0" i="1" dirty="0"/>
-              <a:t> = 0.03</a:t>
+              <a:t> = 0.04</a:t>
             </a:r>
             <a:endParaRPr lang="en-GB" sz="2105" b="0" i="1" dirty="0"/>
           </a:p>
